--- a/Pacman_Instructions.pptx
+++ b/Pacman_Instructions.pptx
@@ -15,9 +15,6 @@
     <p:sldId id="260" r:id="rId9"/>
     <p:sldId id="264" r:id="rId10"/>
     <p:sldId id="265" r:id="rId11"/>
-    <p:sldId id="266" r:id="rId12"/>
-    <p:sldId id="267" r:id="rId13"/>
-    <p:sldId id="268" r:id="rId14"/>
   </p:sldIdLst>
   <p:sldSz cx="12192000" cy="6858000"/>
   <p:notesSz cx="6858000" cy="9144000"/>
@@ -271,7 +268,7 @@
           <a:p>
             <a:fld id="{24F6AFB3-CB95-2A48-A90C-A7905A91E0BD}" type="datetimeFigureOut">
               <a:rPr lang="en-US" smtClean="0"/>
-              <a:t>9/15/2021</a:t>
+              <a:t>9/24/21</a:t>
             </a:fld>
             <a:endParaRPr lang="en-US"/>
           </a:p>
@@ -469,7 +466,7 @@
           <a:p>
             <a:fld id="{24F6AFB3-CB95-2A48-A90C-A7905A91E0BD}" type="datetimeFigureOut">
               <a:rPr lang="en-US" smtClean="0"/>
-              <a:t>9/15/2021</a:t>
+              <a:t>9/24/21</a:t>
             </a:fld>
             <a:endParaRPr lang="en-US"/>
           </a:p>
@@ -677,7 +674,7 @@
           <a:p>
             <a:fld id="{24F6AFB3-CB95-2A48-A90C-A7905A91E0BD}" type="datetimeFigureOut">
               <a:rPr lang="en-US" smtClean="0"/>
-              <a:t>9/15/2021</a:t>
+              <a:t>9/24/21</a:t>
             </a:fld>
             <a:endParaRPr lang="en-US"/>
           </a:p>
@@ -875,7 +872,7 @@
           <a:p>
             <a:fld id="{24F6AFB3-CB95-2A48-A90C-A7905A91E0BD}" type="datetimeFigureOut">
               <a:rPr lang="en-US" smtClean="0"/>
-              <a:t>9/15/2021</a:t>
+              <a:t>9/24/21</a:t>
             </a:fld>
             <a:endParaRPr lang="en-US"/>
           </a:p>
@@ -1150,7 +1147,7 @@
           <a:p>
             <a:fld id="{24F6AFB3-CB95-2A48-A90C-A7905A91E0BD}" type="datetimeFigureOut">
               <a:rPr lang="en-US" smtClean="0"/>
-              <a:t>9/15/2021</a:t>
+              <a:t>9/24/21</a:t>
             </a:fld>
             <a:endParaRPr lang="en-US"/>
           </a:p>
@@ -1415,7 +1412,7 @@
           <a:p>
             <a:fld id="{24F6AFB3-CB95-2A48-A90C-A7905A91E0BD}" type="datetimeFigureOut">
               <a:rPr lang="en-US" smtClean="0"/>
-              <a:t>9/15/2021</a:t>
+              <a:t>9/24/21</a:t>
             </a:fld>
             <a:endParaRPr lang="en-US"/>
           </a:p>
@@ -1827,7 +1824,7 @@
           <a:p>
             <a:fld id="{24F6AFB3-CB95-2A48-A90C-A7905A91E0BD}" type="datetimeFigureOut">
               <a:rPr lang="en-US" smtClean="0"/>
-              <a:t>9/15/2021</a:t>
+              <a:t>9/24/21</a:t>
             </a:fld>
             <a:endParaRPr lang="en-US"/>
           </a:p>
@@ -1968,7 +1965,7 @@
           <a:p>
             <a:fld id="{24F6AFB3-CB95-2A48-A90C-A7905A91E0BD}" type="datetimeFigureOut">
               <a:rPr lang="en-US" smtClean="0"/>
-              <a:t>9/15/2021</a:t>
+              <a:t>9/24/21</a:t>
             </a:fld>
             <a:endParaRPr lang="en-US"/>
           </a:p>
@@ -2081,7 +2078,7 @@
           <a:p>
             <a:fld id="{24F6AFB3-CB95-2A48-A90C-A7905A91E0BD}" type="datetimeFigureOut">
               <a:rPr lang="en-US" smtClean="0"/>
-              <a:t>9/15/2021</a:t>
+              <a:t>9/24/21</a:t>
             </a:fld>
             <a:endParaRPr lang="en-US"/>
           </a:p>
@@ -2392,7 +2389,7 @@
           <a:p>
             <a:fld id="{24F6AFB3-CB95-2A48-A90C-A7905A91E0BD}" type="datetimeFigureOut">
               <a:rPr lang="en-US" smtClean="0"/>
-              <a:t>9/15/2021</a:t>
+              <a:t>9/24/21</a:t>
             </a:fld>
             <a:endParaRPr lang="en-US"/>
           </a:p>
@@ -2680,7 +2677,7 @@
           <a:p>
             <a:fld id="{24F6AFB3-CB95-2A48-A90C-A7905A91E0BD}" type="datetimeFigureOut">
               <a:rPr lang="en-US" smtClean="0"/>
-              <a:t>9/15/2021</a:t>
+              <a:t>9/24/21</a:t>
             </a:fld>
             <a:endParaRPr lang="en-US"/>
           </a:p>
@@ -2921,7 +2918,7 @@
           <a:p>
             <a:fld id="{24F6AFB3-CB95-2A48-A90C-A7905A91E0BD}" type="datetimeFigureOut">
               <a:rPr lang="en-US" smtClean="0"/>
-              <a:t>9/15/2021</a:t>
+              <a:t>9/24/21</a:t>
             </a:fld>
             <a:endParaRPr lang="en-US"/>
           </a:p>
@@ -3439,7 +3436,7 @@
         </p:nvSpPr>
         <p:spPr>
           <a:xfrm>
-            <a:off x="1524000" y="2401234"/>
+            <a:off x="1524000" y="3090003"/>
             <a:ext cx="9144000" cy="2387600"/>
           </a:xfrm>
         </p:spPr>
@@ -3469,13 +3466,27 @@
               </a:rPr>
             </a:br>
             <a:r>
-              <a:rPr lang="en-US" b="1" dirty="0">
+              <a:rPr lang="en-US" sz="4900" b="1" dirty="0">
                 <a:latin typeface="Baloo" panose="03080902040302020200" pitchFamily="66" charset="77"/>
                 <a:cs typeface="Baloo" panose="03080902040302020200" pitchFamily="66" charset="77"/>
               </a:rPr>
-              <a:t>If not, we will start with a short practice</a:t>
-            </a:r>
-            <a:endParaRPr lang="en-US" dirty="0">
+              <a:t>If not, please close these instructions and open the task using </a:t>
+            </a:r>
+            <a:r>
+              <a:rPr lang="en-US" sz="4900" b="1" dirty="0" err="1">
+                <a:latin typeface="Baloo" panose="03080902040302020200" pitchFamily="66" charset="77"/>
+                <a:cs typeface="Baloo" panose="03080902040302020200" pitchFamily="66" charset="77"/>
+              </a:rPr>
+              <a:t>Brooke_pacman</a:t>
+            </a:r>
+            <a:r>
+              <a:rPr lang="en-US" sz="4900" b="1" dirty="0">
+                <a:latin typeface="Baloo" panose="03080902040302020200" pitchFamily="66" charset="77"/>
+                <a:cs typeface="Baloo" panose="03080902040302020200" pitchFamily="66" charset="77"/>
+              </a:rPr>
+              <a:t> in the Launcher</a:t>
+            </a:r>
+            <a:endParaRPr lang="en-US" sz="4900" dirty="0">
               <a:latin typeface="Baloo" panose="03080902040302020200" pitchFamily="66" charset="77"/>
               <a:cs typeface="Baloo" panose="03080902040302020200" pitchFamily="66" charset="77"/>
             </a:endParaRPr>
@@ -3486,340 +3497,6 @@
     <p:extLst>
       <p:ext uri="{BB962C8B-B14F-4D97-AF65-F5344CB8AC3E}">
         <p14:creationId xmlns:p14="http://schemas.microsoft.com/office/powerpoint/2010/main" val="1343883501"/>
-      </p:ext>
-    </p:extLst>
-  </p:cSld>
-  <p:clrMapOvr>
-    <a:masterClrMapping/>
-  </p:clrMapOvr>
-</p:sld>
-</file>
-
-<file path=ppt/slides/slide11.xml><?xml version="1.0" encoding="utf-8"?>
-<p:sld xmlns:a="http://schemas.openxmlformats.org/drawingml/2006/main" xmlns:r="http://schemas.openxmlformats.org/officeDocument/2006/relationships" xmlns:p="http://schemas.openxmlformats.org/presentationml/2006/main">
-  <p:cSld>
-    <p:spTree>
-      <p:nvGrpSpPr>
-        <p:cNvPr id="1" name=""/>
-        <p:cNvGrpSpPr/>
-        <p:nvPr/>
-      </p:nvGrpSpPr>
-      <p:grpSpPr>
-        <a:xfrm>
-          <a:off x="0" y="0"/>
-          <a:ext cx="0" cy="0"/>
-          <a:chOff x="0" y="0"/>
-          <a:chExt cx="0" cy="0"/>
-        </a:xfrm>
-      </p:grpSpPr>
-      <p:sp>
-        <p:nvSpPr>
-          <p:cNvPr id="2" name="Title 1">
-            <a:extLst>
-              <a:ext uri="{FF2B5EF4-FFF2-40B4-BE49-F238E27FC236}">
-                <a16:creationId xmlns:a16="http://schemas.microsoft.com/office/drawing/2014/main" id="{4707B9BF-EADC-0F41-91C8-A588061CB56E}"/>
-              </a:ext>
-            </a:extLst>
-          </p:cNvPr>
-          <p:cNvSpPr>
-            <a:spLocks noGrp="1"/>
-          </p:cNvSpPr>
-          <p:nvPr>
-            <p:ph type="ctrTitle"/>
-          </p:nvPr>
-        </p:nvSpPr>
-        <p:spPr>
-          <a:xfrm>
-            <a:off x="1524000" y="1369840"/>
-            <a:ext cx="9144000" cy="4118320"/>
-          </a:xfrm>
-        </p:spPr>
-        <p:txBody>
-          <a:bodyPr>
-            <a:normAutofit fontScale="90000"/>
-          </a:bodyPr>
-          <a:lstStyle/>
-          <a:p>
-            <a:r>
-              <a:rPr lang="en-US" b="1" dirty="0">
-                <a:latin typeface="Baloo" panose="03080902040302020200" pitchFamily="66" charset="77"/>
-                <a:cs typeface="Baloo" panose="03080902040302020200" pitchFamily="66" charset="77"/>
-              </a:rPr>
-              <a:t>Please click here to begin:</a:t>
-            </a:r>
-            <a:br>
-              <a:rPr lang="en-US" b="1" dirty="0">
-                <a:latin typeface="Baloo" panose="03080902040302020200" pitchFamily="66" charset="77"/>
-                <a:cs typeface="Baloo" panose="03080902040302020200" pitchFamily="66" charset="77"/>
-              </a:rPr>
-            </a:br>
-            <a:r>
-              <a:rPr lang="en-US" b="1" dirty="0">
-                <a:latin typeface="Baloo" panose="03080902040302020200" pitchFamily="66" charset="77"/>
-                <a:cs typeface="Baloo" panose="03080902040302020200" pitchFamily="66" charset="77"/>
-                <a:hlinkClick r:id="rId2"/>
-              </a:rPr>
-              <a:t>begin_practice</a:t>
-            </a:r>
-            <a:br>
-              <a:rPr lang="en-US" b="1" dirty="0">
-                <a:latin typeface="Baloo" panose="03080902040302020200" pitchFamily="66" charset="77"/>
-                <a:cs typeface="Baloo" panose="03080902040302020200" pitchFamily="66" charset="77"/>
-              </a:rPr>
-            </a:br>
-            <a:br>
-              <a:rPr lang="en-US" b="1" dirty="0">
-                <a:latin typeface="Baloo" panose="03080902040302020200" pitchFamily="66" charset="77"/>
-                <a:cs typeface="Baloo" panose="03080902040302020200" pitchFamily="66" charset="77"/>
-              </a:rPr>
-            </a:br>
-            <a:r>
-              <a:rPr lang="en-US" b="1" dirty="0">
-                <a:latin typeface="Baloo" panose="03080902040302020200" pitchFamily="66" charset="77"/>
-                <a:cs typeface="Baloo" panose="03080902040302020200" pitchFamily="66" charset="77"/>
-              </a:rPr>
-              <a:t>After you finish, move to the next slide</a:t>
-            </a:r>
-            <a:endParaRPr lang="en-US" dirty="0">
-              <a:latin typeface="Baloo" panose="03080902040302020200" pitchFamily="66" charset="77"/>
-              <a:cs typeface="Baloo" panose="03080902040302020200" pitchFamily="66" charset="77"/>
-            </a:endParaRPr>
-          </a:p>
-        </p:txBody>
-      </p:sp>
-    </p:spTree>
-    <p:extLst>
-      <p:ext uri="{BB962C8B-B14F-4D97-AF65-F5344CB8AC3E}">
-        <p14:creationId xmlns:p14="http://schemas.microsoft.com/office/powerpoint/2010/main" val="2574735228"/>
-      </p:ext>
-    </p:extLst>
-  </p:cSld>
-  <p:clrMapOvr>
-    <a:masterClrMapping/>
-  </p:clrMapOvr>
-</p:sld>
-</file>
-
-<file path=ppt/slides/slide12.xml><?xml version="1.0" encoding="utf-8"?>
-<p:sld xmlns:a="http://schemas.openxmlformats.org/drawingml/2006/main" xmlns:r="http://schemas.openxmlformats.org/officeDocument/2006/relationships" xmlns:p="http://schemas.openxmlformats.org/presentationml/2006/main">
-  <p:cSld>
-    <p:spTree>
-      <p:nvGrpSpPr>
-        <p:cNvPr id="1" name=""/>
-        <p:cNvGrpSpPr/>
-        <p:nvPr/>
-      </p:nvGrpSpPr>
-      <p:grpSpPr>
-        <a:xfrm>
-          <a:off x="0" y="0"/>
-          <a:ext cx="0" cy="0"/>
-          <a:chOff x="0" y="0"/>
-          <a:chExt cx="0" cy="0"/>
-        </a:xfrm>
-      </p:grpSpPr>
-      <p:sp>
-        <p:nvSpPr>
-          <p:cNvPr id="2" name="Title 1">
-            <a:extLst>
-              <a:ext uri="{FF2B5EF4-FFF2-40B4-BE49-F238E27FC236}">
-                <a16:creationId xmlns:a16="http://schemas.microsoft.com/office/drawing/2014/main" id="{4707B9BF-EADC-0F41-91C8-A588061CB56E}"/>
-              </a:ext>
-            </a:extLst>
-          </p:cNvPr>
-          <p:cNvSpPr>
-            <a:spLocks noGrp="1"/>
-          </p:cNvSpPr>
-          <p:nvPr>
-            <p:ph type="ctrTitle"/>
-          </p:nvPr>
-        </p:nvSpPr>
-        <p:spPr>
-          <a:xfrm>
-            <a:off x="1369620" y="1369840"/>
-            <a:ext cx="9144000" cy="4118320"/>
-          </a:xfrm>
-        </p:spPr>
-        <p:txBody>
-          <a:bodyPr>
-            <a:noAutofit/>
-          </a:bodyPr>
-          <a:lstStyle/>
-          <a:p>
-            <a:r>
-              <a:rPr lang="en-US" sz="4400" b="1" dirty="0">
-                <a:latin typeface="Baloo" panose="03080902040302020200" pitchFamily="66" charset="77"/>
-                <a:cs typeface="Baloo" panose="03080902040302020200" pitchFamily="66" charset="77"/>
-              </a:rPr>
-              <a:t>Please click here to </a:t>
-            </a:r>
-            <a:br>
-              <a:rPr lang="en-US" sz="4400" b="1" dirty="0">
-                <a:latin typeface="Baloo" panose="03080902040302020200" pitchFamily="66" charset="77"/>
-                <a:cs typeface="Baloo" panose="03080902040302020200" pitchFamily="66" charset="77"/>
-              </a:rPr>
-            </a:br>
-            <a:r>
-              <a:rPr lang="en-US" sz="4400" b="1" dirty="0">
-                <a:latin typeface="Baloo" panose="03080902040302020200" pitchFamily="66" charset="77"/>
-                <a:cs typeface="Baloo" panose="03080902040302020200" pitchFamily="66" charset="77"/>
-              </a:rPr>
-              <a:t>begin the real game:</a:t>
-            </a:r>
-            <a:br>
-              <a:rPr lang="en-US" sz="4400" b="1" dirty="0">
-                <a:latin typeface="Baloo" panose="03080902040302020200" pitchFamily="66" charset="77"/>
-                <a:cs typeface="Baloo" panose="03080902040302020200" pitchFamily="66" charset="77"/>
-              </a:rPr>
-            </a:br>
-            <a:r>
-              <a:rPr lang="en-US" sz="4400" b="1" dirty="0">
-                <a:latin typeface="Baloo" panose="03080902040302020200" pitchFamily="66" charset="77"/>
-                <a:cs typeface="Baloo" panose="03080902040302020200" pitchFamily="66" charset="77"/>
-                <a:hlinkClick r:id="rId2"/>
-              </a:rPr>
-              <a:t>begin_game</a:t>
-            </a:r>
-            <a:br>
-              <a:rPr lang="en-US" sz="4400" b="1" dirty="0">
-                <a:latin typeface="Baloo" panose="03080902040302020200" pitchFamily="66" charset="77"/>
-                <a:cs typeface="Baloo" panose="03080902040302020200" pitchFamily="66" charset="77"/>
-              </a:rPr>
-            </a:br>
-            <a:br>
-              <a:rPr lang="en-US" sz="4400" b="1" dirty="0">
-                <a:latin typeface="Baloo" panose="03080902040302020200" pitchFamily="66" charset="77"/>
-                <a:cs typeface="Baloo" panose="03080902040302020200" pitchFamily="66" charset="77"/>
-              </a:rPr>
-            </a:br>
-            <a:r>
-              <a:rPr lang="en-US" sz="4400" b="1" dirty="0">
-                <a:latin typeface="Baloo" panose="03080902040302020200" pitchFamily="66" charset="77"/>
-                <a:cs typeface="Baloo" panose="03080902040302020200" pitchFamily="66" charset="77"/>
-              </a:rPr>
-              <a:t>After you finish, please return to these slides!</a:t>
-            </a:r>
-            <a:endParaRPr lang="en-US" sz="4400" dirty="0">
-              <a:latin typeface="Baloo" panose="03080902040302020200" pitchFamily="66" charset="77"/>
-              <a:cs typeface="Baloo" panose="03080902040302020200" pitchFamily="66" charset="77"/>
-            </a:endParaRPr>
-          </a:p>
-        </p:txBody>
-      </p:sp>
-    </p:spTree>
-    <p:extLst>
-      <p:ext uri="{BB962C8B-B14F-4D97-AF65-F5344CB8AC3E}">
-        <p14:creationId xmlns:p14="http://schemas.microsoft.com/office/powerpoint/2010/main" val="1455870845"/>
-      </p:ext>
-    </p:extLst>
-  </p:cSld>
-  <p:clrMapOvr>
-    <a:masterClrMapping/>
-  </p:clrMapOvr>
-</p:sld>
-</file>
-
-<file path=ppt/slides/slide13.xml><?xml version="1.0" encoding="utf-8"?>
-<p:sld xmlns:a="http://schemas.openxmlformats.org/drawingml/2006/main" xmlns:r="http://schemas.openxmlformats.org/officeDocument/2006/relationships" xmlns:p="http://schemas.openxmlformats.org/presentationml/2006/main">
-  <p:cSld>
-    <p:spTree>
-      <p:nvGrpSpPr>
-        <p:cNvPr id="1" name=""/>
-        <p:cNvGrpSpPr/>
-        <p:nvPr/>
-      </p:nvGrpSpPr>
-      <p:grpSpPr>
-        <a:xfrm>
-          <a:off x="0" y="0"/>
-          <a:ext cx="0" cy="0"/>
-          <a:chOff x="0" y="0"/>
-          <a:chExt cx="0" cy="0"/>
-        </a:xfrm>
-      </p:grpSpPr>
-      <p:sp>
-        <p:nvSpPr>
-          <p:cNvPr id="2" name="Title 1">
-            <a:extLst>
-              <a:ext uri="{FF2B5EF4-FFF2-40B4-BE49-F238E27FC236}">
-                <a16:creationId xmlns:a16="http://schemas.microsoft.com/office/drawing/2014/main" id="{4707B9BF-EADC-0F41-91C8-A588061CB56E}"/>
-              </a:ext>
-            </a:extLst>
-          </p:cNvPr>
-          <p:cNvSpPr>
-            <a:spLocks noGrp="1"/>
-          </p:cNvSpPr>
-          <p:nvPr>
-            <p:ph type="ctrTitle"/>
-          </p:nvPr>
-        </p:nvSpPr>
-        <p:spPr>
-          <a:xfrm>
-            <a:off x="1405246" y="1203586"/>
-            <a:ext cx="9144000" cy="4118320"/>
-          </a:xfrm>
-        </p:spPr>
-        <p:txBody>
-          <a:bodyPr>
-            <a:noAutofit/>
-          </a:bodyPr>
-          <a:lstStyle/>
-          <a:p>
-            <a:r>
-              <a:rPr lang="en-US" sz="4400" b="1" dirty="0">
-                <a:latin typeface="Baloo" panose="03080902040302020200" pitchFamily="66" charset="77"/>
-                <a:cs typeface="Baloo" panose="03080902040302020200" pitchFamily="66" charset="77"/>
-              </a:rPr>
-              <a:t>Great Job!</a:t>
-            </a:r>
-            <a:br>
-              <a:rPr lang="en-US" sz="4400" b="1" dirty="0">
-                <a:latin typeface="Baloo" panose="03080902040302020200" pitchFamily="66" charset="77"/>
-                <a:cs typeface="Baloo" panose="03080902040302020200" pitchFamily="66" charset="77"/>
-              </a:rPr>
-            </a:br>
-            <a:br>
-              <a:rPr lang="en-US" sz="4400" b="1" dirty="0">
-                <a:latin typeface="Baloo" panose="03080902040302020200" pitchFamily="66" charset="77"/>
-                <a:cs typeface="Baloo" panose="03080902040302020200" pitchFamily="66" charset="77"/>
-              </a:rPr>
-            </a:br>
-            <a:r>
-              <a:rPr lang="en-US" sz="4400" b="1" dirty="0">
-                <a:latin typeface="Baloo" panose="03080902040302020200" pitchFamily="66" charset="77"/>
-                <a:cs typeface="Baloo" panose="03080902040302020200" pitchFamily="66" charset="77"/>
-              </a:rPr>
-              <a:t>Click here to fill out a quick survey:</a:t>
-            </a:r>
-            <a:br>
-              <a:rPr lang="en-US" sz="4400" b="1" dirty="0">
-                <a:latin typeface="Baloo" panose="03080902040302020200" pitchFamily="66" charset="77"/>
-                <a:cs typeface="Baloo" panose="03080902040302020200" pitchFamily="66" charset="77"/>
-              </a:rPr>
-            </a:br>
-            <a:r>
-              <a:rPr lang="en-US" sz="4400" b="1" dirty="0">
-                <a:latin typeface="Baloo" panose="03080902040302020200" pitchFamily="66" charset="77"/>
-                <a:cs typeface="Baloo" panose="03080902040302020200" pitchFamily="66" charset="77"/>
-                <a:hlinkClick r:id="rId2"/>
-              </a:rPr>
-              <a:t>survey</a:t>
-            </a:r>
-            <a:br>
-              <a:rPr lang="en-US" sz="4400" b="1" dirty="0">
-                <a:latin typeface="Baloo" panose="03080902040302020200" pitchFamily="66" charset="77"/>
-                <a:cs typeface="Baloo" panose="03080902040302020200" pitchFamily="66" charset="77"/>
-              </a:rPr>
-            </a:br>
-            <a:endParaRPr lang="en-US" sz="4400" dirty="0">
-              <a:latin typeface="Baloo" panose="03080902040302020200" pitchFamily="66" charset="77"/>
-              <a:cs typeface="Baloo" panose="03080902040302020200" pitchFamily="66" charset="77"/>
-            </a:endParaRPr>
-          </a:p>
-        </p:txBody>
-      </p:sp>
-    </p:spTree>
-    <p:extLst>
-      <p:ext uri="{BB962C8B-B14F-4D97-AF65-F5344CB8AC3E}">
-        <p14:creationId xmlns:p14="http://schemas.microsoft.com/office/powerpoint/2010/main" val="2061824583"/>
       </p:ext>
     </p:extLst>
   </p:cSld>
